--- a/poison_cluster.pptx
+++ b/poison_cluster.pptx
@@ -16,8 +16,8 @@
     <p:sldId id="296" r:id="rId4"/>
     <p:sldId id="297" r:id="rId5"/>
     <p:sldId id="299" r:id="rId6"/>
-    <p:sldId id="298" r:id="rId7"/>
-    <p:sldId id="294" r:id="rId8"/>
+    <p:sldId id="300" r:id="rId7"/>
+    <p:sldId id="298" r:id="rId8"/>
     <p:sldId id="285" r:id="rId9"/>
   </p:sldIdLst>
   <p:sldSz cx="12192000" cy="6858000"/>
@@ -222,7 +222,7 @@
           <a:p>
             <a:fld id="{C8771E59-BB6D-9C41-A61C-2D524682E115}" type="datetimeFigureOut">
               <a:rPr lang="hu-HU" smtClean="0"/>
-              <a:t>2025. 03. 22.</a:t>
+              <a:t>2025. 03. 25.</a:t>
             </a:fld>
             <a:endParaRPr lang="hu-HU"/>
           </a:p>
@@ -399,7 +399,7 @@
           <a:p>
             <a:fld id="{B4DA393B-998D-3C45-ACA4-5C51E3A83922}" type="datetimeFigureOut">
               <a:rPr lang="hu-HU" smtClean="0"/>
-              <a:t>2025. 03. 22.</a:t>
+              <a:t>2025. 03. 25.</a:t>
             </a:fld>
             <a:endParaRPr lang="hu-HU"/>
           </a:p>
@@ -2542,7 +2542,7 @@
             <a:pPr algn="ctr"/>
             <a:r>
               <a:rPr lang="en-US" dirty="0"/>
-              <a:t>Enhancing Data Security with Clustering Algorithms</a:t>
+              <a:t>Outlier Injection in K-means Clustering</a:t>
             </a:r>
             <a:endParaRPr lang="hu-HU" dirty="0"/>
           </a:p>
@@ -6798,7 +6798,7 @@
             <a:pPr algn="ctr"/>
             <a:r>
               <a:rPr lang="en-US" dirty="0"/>
-              <a:t>Enhancing Data Security with Clustering Algorithms</a:t>
+              <a:t>Outlier Injection in K-means Clustering</a:t>
             </a:r>
             <a:endParaRPr lang="hu-HU" dirty="0"/>
           </a:p>
@@ -7061,7 +7061,7 @@
           <a:p>
             <a:r>
               <a:rPr lang="en-US" dirty="0"/>
-              <a:t>Selected Clustering Algorithms</a:t>
+              <a:t>Selected Clustering Algorithm</a:t>
             </a:r>
             <a:endParaRPr lang="en-HU" dirty="0"/>
           </a:p>
@@ -7092,46 +7092,6 @@
         <p:txBody>
           <a:bodyPr/>
           <a:lstStyle/>
-          <a:p>
-            <a:r>
-              <a:rPr lang="en-US" dirty="0"/>
-              <a:t>DBSCAN (Density-Based Spatial Clustering of Applications with Noise)</a:t>
-            </a:r>
-          </a:p>
-          <a:p>
-            <a:pPr lvl="1"/>
-            <a:r>
-              <a:rPr lang="en-US" dirty="0"/>
-              <a:t>Identifies clusters based on density</a:t>
-            </a:r>
-          </a:p>
-          <a:p>
-            <a:pPr lvl="1"/>
-            <a:r>
-              <a:rPr lang="en-US" dirty="0"/>
-              <a:t>Handles noise and outliers well</a:t>
-            </a:r>
-          </a:p>
-          <a:p>
-            <a:r>
-              <a:rPr lang="en-US" dirty="0"/>
-              <a:t>HDBSCAN (Hierarchical Density-Based Spatial Clustering of Applications with Noise)</a:t>
-            </a:r>
-          </a:p>
-          <a:p>
-            <a:pPr lvl="1"/>
-            <a:r>
-              <a:rPr lang="en-US" dirty="0"/>
-              <a:t>Extension of DBSCAN with hierarchical clustering</a:t>
-            </a:r>
-          </a:p>
-          <a:p>
-            <a:pPr lvl="1"/>
-            <a:r>
-              <a:rPr lang="en-US" dirty="0"/>
-              <a:t>More adaptive to varying densities</a:t>
-            </a:r>
-          </a:p>
           <a:p>
             <a:r>
               <a:rPr lang="en-US" dirty="0"/>
@@ -7442,28 +7402,7 @@
           <a:p>
             <a:r>
               <a:rPr lang="en-US" dirty="0"/>
-              <a:t>Types of Attacks</a:t>
-            </a:r>
-          </a:p>
-          <a:p>
-            <a:pPr lvl="1"/>
-            <a:r>
-              <a:rPr lang="en-US" dirty="0"/>
               <a:t>Outlier Injection: Adding extreme values to distort clusters</a:t>
-            </a:r>
-          </a:p>
-          <a:p>
-            <a:pPr lvl="1"/>
-            <a:r>
-              <a:rPr lang="en-US" dirty="0"/>
-              <a:t>Subtle Label Noise: Slightly modifying feature values</a:t>
-            </a:r>
-          </a:p>
-          <a:p>
-            <a:pPr lvl="1"/>
-            <a:r>
-              <a:rPr lang="en-US" dirty="0"/>
-              <a:t>Cluster Merging/Splitting: Manipulating data to cause misclassification</a:t>
             </a:r>
             <a:endParaRPr lang="en-HU" baseline="30000" dirty="0"/>
           </a:p>
@@ -7553,7 +7492,7 @@
           <a:p>
             <a:r>
               <a:rPr lang="en-US" dirty="0"/>
-              <a:t>Detection Approach</a:t>
+              <a:t>Evaluate Attack</a:t>
             </a:r>
             <a:endParaRPr lang="en-HU" dirty="0"/>
           </a:p>
@@ -7587,24 +7526,20 @@
           <a:p>
             <a:r>
               <a:rPr lang="en-US" dirty="0"/>
-              <a:t>Clustering-Based Detection</a:t>
+              <a:t>Evaluate cluster differences</a:t>
             </a:r>
           </a:p>
           <a:p>
             <a:r>
               <a:rPr lang="en-US" dirty="0"/>
-              <a:t>Identify anomalies with DBSCAN/HDBSCAN/K-Means</a:t>
+              <a:t>Investigate detection techniques</a:t>
             </a:r>
           </a:p>
           <a:p>
             <a:r>
               <a:rPr lang="en-US" dirty="0"/>
-              <a:t>Compare clustering results before and after poisoning</a:t>
-            </a:r>
-            <a:endParaRPr lang="en-GB" dirty="0"/>
-          </a:p>
-          <a:p>
-            <a:endParaRPr lang="en-GB" dirty="0"/>
+              <a:t>Assess the severity and risks of the attack</a:t>
+            </a:r>
           </a:p>
           <a:p>
             <a:endParaRPr lang="en-HU" dirty="0"/>
@@ -7639,7 +7574,7 @@
     </p:spTree>
     <p:extLst>
       <p:ext uri="{BB962C8B-B14F-4D97-AF65-F5344CB8AC3E}">
-        <p14:creationId xmlns:p14="http://schemas.microsoft.com/office/powerpoint/2010/main" val="1758755004"/>
+        <p14:creationId xmlns:p14="http://schemas.microsoft.com/office/powerpoint/2010/main" val="1266838514"/>
       </p:ext>
     </p:extLst>
   </p:cSld>
@@ -7654,7 +7589,13 @@
   <p:cSld>
     <p:spTree>
       <p:nvGrpSpPr>
-        <p:cNvPr id="1" name=""/>
+        <p:cNvPr id="1" name="">
+          <a:extLst>
+            <a:ext uri="{FF2B5EF4-FFF2-40B4-BE49-F238E27FC236}">
+              <a16:creationId xmlns:a16="http://schemas.microsoft.com/office/drawing/2014/main" id="{B9CD627D-C904-B523-57DE-0B9FC4380C7C}"/>
+            </a:ext>
+          </a:extLst>
+        </p:cNvPr>
         <p:cNvGrpSpPr/>
         <p:nvPr/>
       </p:nvGrpSpPr>
@@ -7671,7 +7612,7 @@
           <p:cNvPr id="2" name="Text Placeholder 1">
             <a:extLst>
               <a:ext uri="{FF2B5EF4-FFF2-40B4-BE49-F238E27FC236}">
-                <a16:creationId xmlns:a16="http://schemas.microsoft.com/office/drawing/2014/main" id="{5F477F09-5942-B423-20B3-CAD87538814F}"/>
+                <a16:creationId xmlns:a16="http://schemas.microsoft.com/office/drawing/2014/main" id="{94E54AB7-459E-2A79-4A21-B7795681222E}"/>
               </a:ext>
             </a:extLst>
           </p:cNvPr>
@@ -7688,9 +7629,10 @@
           <a:lstStyle/>
           <a:p>
             <a:r>
-              <a:rPr lang="en-HU" dirty="0"/>
-              <a:t>Sources</a:t>
-            </a:r>
+              <a:rPr lang="en-US" dirty="0"/>
+              <a:t>Detection Approach</a:t>
+            </a:r>
+            <a:endParaRPr lang="en-HU" dirty="0"/>
           </a:p>
         </p:txBody>
       </p:sp>
@@ -7699,7 +7641,7 @@
           <p:cNvPr id="3" name="Text Placeholder 2">
             <a:extLst>
               <a:ext uri="{FF2B5EF4-FFF2-40B4-BE49-F238E27FC236}">
-                <a16:creationId xmlns:a16="http://schemas.microsoft.com/office/drawing/2014/main" id="{942FB9BA-C4C1-F6B4-5BE3-4E06ED4FD24B}"/>
+                <a16:creationId xmlns:a16="http://schemas.microsoft.com/office/drawing/2014/main" id="{14DCA4AF-045F-D329-B700-6BBE2672291C}"/>
               </a:ext>
             </a:extLst>
           </p:cNvPr>
@@ -7720,6 +7662,28 @@
           <a:bodyPr/>
           <a:lstStyle/>
           <a:p>
+            <a:r>
+              <a:rPr lang="en-US" dirty="0"/>
+              <a:t>Clustering-Based Detection</a:t>
+            </a:r>
+          </a:p>
+          <a:p>
+            <a:r>
+              <a:rPr lang="en-US" dirty="0"/>
+              <a:t>Identify anomalies with K-Means</a:t>
+            </a:r>
+          </a:p>
+          <a:p>
+            <a:r>
+              <a:rPr lang="en-US" dirty="0"/>
+              <a:t>Compare clustering results before and after poisoning</a:t>
+            </a:r>
+            <a:endParaRPr lang="en-GB" dirty="0"/>
+          </a:p>
+          <a:p>
+            <a:endParaRPr lang="en-GB" dirty="0"/>
+          </a:p>
+          <a:p>
             <a:endParaRPr lang="en-HU" dirty="0"/>
           </a:p>
         </p:txBody>
@@ -7729,7 +7693,7 @@
           <p:cNvPr id="6" name="Text Placeholder 5">
             <a:extLst>
               <a:ext uri="{FF2B5EF4-FFF2-40B4-BE49-F238E27FC236}">
-                <a16:creationId xmlns:a16="http://schemas.microsoft.com/office/drawing/2014/main" id="{77CBB650-01AE-18B4-6F4C-410356755D76}"/>
+                <a16:creationId xmlns:a16="http://schemas.microsoft.com/office/drawing/2014/main" id="{8B5BB454-91E1-4062-FB2A-40B27103C097}"/>
               </a:ext>
             </a:extLst>
           </p:cNvPr>
@@ -7752,7 +7716,7 @@
     </p:spTree>
     <p:extLst>
       <p:ext uri="{BB962C8B-B14F-4D97-AF65-F5344CB8AC3E}">
-        <p14:creationId xmlns:p14="http://schemas.microsoft.com/office/powerpoint/2010/main" val="1609354263"/>
+        <p14:creationId xmlns:p14="http://schemas.microsoft.com/office/powerpoint/2010/main" val="1758755004"/>
       </p:ext>
     </p:extLst>
   </p:cSld>
